--- a/materials/slides/ch07-1.pptx
+++ b/materials/slides/ch07-1.pptx
@@ -11620,14 +11620,14 @@
                 <a:gridCol w="3636404">
                   <a:extLst>
                     <a:ext uri="{9D8B030D-6E8A-4147-A177-3AD203B41FA5}">
-                      <a16:colId xmlns:a16="http://schemas.microsoft.com/office/drawing/2014/main" val="20000"/>
+                      <a16:colId xmlns:a16="http://schemas.microsoft.com/office/drawing/2014/main" xmlns="" val="20000"/>
                     </a:ext>
                   </a:extLst>
                 </a:gridCol>
                 <a:gridCol w="3636404">
                   <a:extLst>
                     <a:ext uri="{9D8B030D-6E8A-4147-A177-3AD203B41FA5}">
-                      <a16:colId xmlns:a16="http://schemas.microsoft.com/office/drawing/2014/main" val="20001"/>
+                      <a16:colId xmlns:a16="http://schemas.microsoft.com/office/drawing/2014/main" xmlns="" val="20001"/>
                     </a:ext>
                   </a:extLst>
                 </a:gridCol>
@@ -11767,7 +11767,7 @@
                 </a:tc>
                 <a:extLst>
                   <a:ext uri="{0D108BD9-81ED-4DB2-BD59-A6C34878D82A}">
-                    <a16:rowId xmlns:a16="http://schemas.microsoft.com/office/drawing/2014/main" val="10000"/>
+                    <a16:rowId xmlns:a16="http://schemas.microsoft.com/office/drawing/2014/main" xmlns="" val="10000"/>
                   </a:ext>
                 </a:extLst>
               </a:tr>
@@ -11906,7 +11906,7 @@
                 </a:tc>
                 <a:extLst>
                   <a:ext uri="{0D108BD9-81ED-4DB2-BD59-A6C34878D82A}">
-                    <a16:rowId xmlns:a16="http://schemas.microsoft.com/office/drawing/2014/main" val="10001"/>
+                    <a16:rowId xmlns:a16="http://schemas.microsoft.com/office/drawing/2014/main" xmlns="" val="10001"/>
                   </a:ext>
                 </a:extLst>
               </a:tr>
@@ -12045,7 +12045,7 @@
                 </a:tc>
                 <a:extLst>
                   <a:ext uri="{0D108BD9-81ED-4DB2-BD59-A6C34878D82A}">
-                    <a16:rowId xmlns:a16="http://schemas.microsoft.com/office/drawing/2014/main" val="10002"/>
+                    <a16:rowId xmlns:a16="http://schemas.microsoft.com/office/drawing/2014/main" xmlns="" val="10002"/>
                   </a:ext>
                 </a:extLst>
               </a:tr>
@@ -12184,7 +12184,7 @@
                 </a:tc>
                 <a:extLst>
                   <a:ext uri="{0D108BD9-81ED-4DB2-BD59-A6C34878D82A}">
-                    <a16:rowId xmlns:a16="http://schemas.microsoft.com/office/drawing/2014/main" val="10003"/>
+                    <a16:rowId xmlns:a16="http://schemas.microsoft.com/office/drawing/2014/main" xmlns="" val="10003"/>
                   </a:ext>
                 </a:extLst>
               </a:tr>
@@ -12323,7 +12323,7 @@
                 </a:tc>
                 <a:extLst>
                   <a:ext uri="{0D108BD9-81ED-4DB2-BD59-A6C34878D82A}">
-                    <a16:rowId xmlns:a16="http://schemas.microsoft.com/office/drawing/2014/main" val="10004"/>
+                    <a16:rowId xmlns:a16="http://schemas.microsoft.com/office/drawing/2014/main" xmlns="" val="10004"/>
                   </a:ext>
                 </a:extLst>
               </a:tr>
@@ -19260,7 +19260,7 @@
           <a:lstStyle/>
           <a:p>
             <a:r>
-              <a:rPr lang="zh-CN" altLang="en-US" smtClean="0">
+              <a:rPr lang="zh-CN" altLang="en-US" dirty="0" smtClean="0">
                 <a:solidFill>
                   <a:schemeClr val="tx1">
                     <a:lumMod val="85000"/>
@@ -19271,7 +19271,7 @@
               <a:t>当在</a:t>
             </a:r>
             <a:r>
-              <a:rPr lang="en-US" altLang="zh-CN" smtClean="0">
+              <a:rPr lang="en-US" altLang="zh-CN" dirty="0" smtClean="0">
                 <a:solidFill>
                   <a:schemeClr val="tx1">
                     <a:lumMod val="85000"/>
@@ -19282,7 +19282,7 @@
               <a:t>Android</a:t>
             </a:r>
             <a:r>
-              <a:rPr lang="zh-CN" altLang="en-US">
+              <a:rPr lang="zh-CN" altLang="en-US" dirty="0">
                 <a:solidFill>
                   <a:schemeClr val="tx1">
                     <a:lumMod val="85000"/>
@@ -19293,7 +19293,7 @@
               <a:t>应用</a:t>
             </a:r>
             <a:r>
-              <a:rPr lang="zh-CN" altLang="en-US" smtClean="0">
+              <a:rPr lang="zh-CN" altLang="en-US" dirty="0" smtClean="0">
                 <a:solidFill>
                   <a:schemeClr val="tx1">
                     <a:lumMod val="85000"/>
@@ -19334,21 +19334,10 @@
                   </a:schemeClr>
                 </a:solidFill>
               </a:rPr>
-              <a:t>类</a:t>
-            </a:r>
-            <a:r>
-              <a:rPr lang="zh-CN" altLang="en-US">
-                <a:solidFill>
-                  <a:schemeClr val="tx1">
-                    <a:lumMod val="85000"/>
-                    <a:lumOff val="15000"/>
-                  </a:schemeClr>
-                </a:solidFill>
-              </a:rPr>
-              <a:t>中</a:t>
-            </a:r>
-            <a:r>
-              <a:rPr lang="zh-CN" altLang="en-US" smtClean="0">
+              <a:t>类中</a:t>
+            </a:r>
+            <a:r>
+              <a:rPr lang="zh-CN" altLang="en-US" dirty="0" smtClean="0">
                 <a:solidFill>
                   <a:schemeClr val="tx1">
                     <a:lumMod val="85000"/>
@@ -19549,16 +19538,46 @@
           <a:p>
             <a:pPr lvl="2"/>
             <a:r>
-              <a:rPr lang="en-US" altLang="zh-CN" sz="3200" dirty="0" smtClean="0">
-                <a:solidFill>
-                  <a:schemeClr val="tx1">
-                    <a:lumMod val="85000"/>
-                    <a:lumOff val="15000"/>
-                  </a:schemeClr>
-                </a:solidFill>
-              </a:rPr>
-              <a:t>R.mipmap/filename</a:t>
-            </a:r>
+              <a:rPr lang="en-US" altLang="zh-CN" sz="3200" smtClean="0">
+                <a:solidFill>
+                  <a:schemeClr val="tx1">
+                    <a:lumMod val="85000"/>
+                    <a:lumOff val="15000"/>
+                  </a:schemeClr>
+                </a:solidFill>
+              </a:rPr>
+              <a:t>R.mipmap</a:t>
+            </a:r>
+            <a:r>
+              <a:rPr lang="en-US" altLang="zh-CN" sz="3200">
+                <a:solidFill>
+                  <a:schemeClr val="tx1">
+                    <a:lumMod val="85000"/>
+                    <a:lumOff val="15000"/>
+                  </a:schemeClr>
+                </a:solidFill>
+              </a:rPr>
+              <a:t>.</a:t>
+            </a:r>
+            <a:r>
+              <a:rPr lang="en-US" altLang="zh-CN" sz="3200" smtClean="0">
+                <a:solidFill>
+                  <a:schemeClr val="tx1">
+                    <a:lumMod val="85000"/>
+                    <a:lumOff val="15000"/>
+                  </a:schemeClr>
+                </a:solidFill>
+              </a:rPr>
+              <a:t>filename</a:t>
+            </a:r>
+            <a:endParaRPr lang="en-US" altLang="zh-CN" sz="3200" dirty="0" smtClean="0">
+              <a:solidFill>
+                <a:schemeClr val="tx1">
+                  <a:lumMod val="85000"/>
+                  <a:lumOff val="15000"/>
+                </a:schemeClr>
+              </a:solidFill>
+            </a:endParaRPr>
           </a:p>
           <a:p>
             <a:pPr lvl="2"/>
